--- a/Muck up project.pptx
+++ b/Muck up project.pptx
@@ -8632,7 +8632,7 @@
         </p:nvSpPr>
         <p:spPr>
           <a:xfrm>
-            <a:off x="6081933" y="3429000"/>
+            <a:off x="6096000" y="3701406"/>
             <a:ext cx="1134793" cy="355209"/>
           </a:xfrm>
           <a:prstGeom prst="roundRect">
@@ -8687,7 +8687,7 @@
         </p:nvSpPr>
         <p:spPr>
           <a:xfrm>
-            <a:off x="1322364" y="3429000"/>
+            <a:off x="1336431" y="3701406"/>
             <a:ext cx="1280159" cy="320862"/>
           </a:xfrm>
           <a:prstGeom prst="roundRect">
@@ -8726,6 +8726,103 @@
             <a:r>
               <a:rPr lang="en-US" dirty="0"/>
               <a:t>Cancel</a:t>
+            </a:r>
+          </a:p>
+        </p:txBody>
+      </p:sp>
+      <p:sp>
+        <p:nvSpPr>
+          <p:cNvPr id="9" name="Rectangle: Rounded Corners 8">
+            <a:extLst>
+              <a:ext uri="{FF2B5EF4-FFF2-40B4-BE49-F238E27FC236}">
+                <a16:creationId xmlns:a16="http://schemas.microsoft.com/office/drawing/2014/main" id="{62F9CB48-5021-456D-9E8B-50D9CAEEB55A}"/>
+              </a:ext>
+            </a:extLst>
+          </p:cNvPr>
+          <p:cNvSpPr/>
+          <p:nvPr/>
+        </p:nvSpPr>
+        <p:spPr>
+          <a:xfrm>
+            <a:off x="1322364" y="2905780"/>
+            <a:ext cx="5894362" cy="523220"/>
+          </a:xfrm>
+          <a:prstGeom prst="roundRect">
+            <a:avLst/>
+          </a:prstGeom>
+          <a:solidFill>
+            <a:schemeClr val="accent2">
+              <a:lumMod val="40000"/>
+              <a:lumOff val="60000"/>
+            </a:schemeClr>
+          </a:solidFill>
+          <a:ln>
+            <a:noFill/>
+          </a:ln>
+        </p:spPr>
+        <p:style>
+          <a:lnRef idx="2">
+            <a:schemeClr val="accent1">
+              <a:shade val="50000"/>
+            </a:schemeClr>
+          </a:lnRef>
+          <a:fillRef idx="1">
+            <a:schemeClr val="accent1"/>
+          </a:fillRef>
+          <a:effectRef idx="0">
+            <a:schemeClr val="accent1"/>
+          </a:effectRef>
+          <a:fontRef idx="minor">
+            <a:schemeClr val="lt1"/>
+          </a:fontRef>
+        </p:style>
+        <p:txBody>
+          <a:bodyPr rtlCol="0" anchor="ctr"/>
+          <a:lstStyle/>
+          <a:p>
+            <a:pPr algn="ctr"/>
+            <a:endParaRPr lang="en-US"/>
+          </a:p>
+        </p:txBody>
+      </p:sp>
+      <p:sp>
+        <p:nvSpPr>
+          <p:cNvPr id="11" name="TextBox 10">
+            <a:extLst>
+              <a:ext uri="{FF2B5EF4-FFF2-40B4-BE49-F238E27FC236}">
+                <a16:creationId xmlns:a16="http://schemas.microsoft.com/office/drawing/2014/main" id="{DBB2B9D8-C435-468C-8765-727A266A1F8D}"/>
+              </a:ext>
+            </a:extLst>
+          </p:cNvPr>
+          <p:cNvSpPr txBox="1"/>
+          <p:nvPr/>
+        </p:nvSpPr>
+        <p:spPr>
+          <a:xfrm>
+            <a:off x="1561514" y="2982724"/>
+            <a:ext cx="1772529" cy="369332"/>
+          </a:xfrm>
+          <a:prstGeom prst="rect">
+            <a:avLst/>
+          </a:prstGeom>
+          <a:noFill/>
+        </p:spPr>
+        <p:txBody>
+          <a:bodyPr wrap="square" rtlCol="0">
+            <a:spAutoFit/>
+          </a:bodyPr>
+          <a:lstStyle/>
+          <a:p>
+            <a:r>
+              <a:rPr lang="en-US" dirty="0">
+                <a:solidFill>
+                  <a:schemeClr val="tx1">
+                    <a:lumMod val="50000"/>
+                    <a:lumOff val="50000"/>
+                  </a:schemeClr>
+                </a:solidFill>
+              </a:rPr>
+              <a:t>Choose file</a:t>
             </a:r>
           </a:p>
         </p:txBody>

--- a/Muck up project.pptx
+++ b/Muck up project.pptx
@@ -269,7 +269,7 @@
           <a:p>
             <a:fld id="{05DD8CB8-BCAE-4176-9B00-3C63B726CDBB}" type="datetimeFigureOut">
               <a:rPr lang="en-US" smtClean="0"/>
-              <a:t>8/16/2021</a:t>
+              <a:t>8/17/2021</a:t>
             </a:fld>
             <a:endParaRPr lang="en-US"/>
           </a:p>
@@ -467,7 +467,7 @@
           <a:p>
             <a:fld id="{05DD8CB8-BCAE-4176-9B00-3C63B726CDBB}" type="datetimeFigureOut">
               <a:rPr lang="en-US" smtClean="0"/>
-              <a:t>8/16/2021</a:t>
+              <a:t>8/17/2021</a:t>
             </a:fld>
             <a:endParaRPr lang="en-US"/>
           </a:p>
@@ -675,7 +675,7 @@
           <a:p>
             <a:fld id="{05DD8CB8-BCAE-4176-9B00-3C63B726CDBB}" type="datetimeFigureOut">
               <a:rPr lang="en-US" smtClean="0"/>
-              <a:t>8/16/2021</a:t>
+              <a:t>8/17/2021</a:t>
             </a:fld>
             <a:endParaRPr lang="en-US"/>
           </a:p>
@@ -873,7 +873,7 @@
           <a:p>
             <a:fld id="{05DD8CB8-BCAE-4176-9B00-3C63B726CDBB}" type="datetimeFigureOut">
               <a:rPr lang="en-US" smtClean="0"/>
-              <a:t>8/16/2021</a:t>
+              <a:t>8/17/2021</a:t>
             </a:fld>
             <a:endParaRPr lang="en-US"/>
           </a:p>
@@ -1148,7 +1148,7 @@
           <a:p>
             <a:fld id="{05DD8CB8-BCAE-4176-9B00-3C63B726CDBB}" type="datetimeFigureOut">
               <a:rPr lang="en-US" smtClean="0"/>
-              <a:t>8/16/2021</a:t>
+              <a:t>8/17/2021</a:t>
             </a:fld>
             <a:endParaRPr lang="en-US"/>
           </a:p>
@@ -1413,7 +1413,7 @@
           <a:p>
             <a:fld id="{05DD8CB8-BCAE-4176-9B00-3C63B726CDBB}" type="datetimeFigureOut">
               <a:rPr lang="en-US" smtClean="0"/>
-              <a:t>8/16/2021</a:t>
+              <a:t>8/17/2021</a:t>
             </a:fld>
             <a:endParaRPr lang="en-US"/>
           </a:p>
@@ -1825,7 +1825,7 @@
           <a:p>
             <a:fld id="{05DD8CB8-BCAE-4176-9B00-3C63B726CDBB}" type="datetimeFigureOut">
               <a:rPr lang="en-US" smtClean="0"/>
-              <a:t>8/16/2021</a:t>
+              <a:t>8/17/2021</a:t>
             </a:fld>
             <a:endParaRPr lang="en-US"/>
           </a:p>
@@ -1966,7 +1966,7 @@
           <a:p>
             <a:fld id="{05DD8CB8-BCAE-4176-9B00-3C63B726CDBB}" type="datetimeFigureOut">
               <a:rPr lang="en-US" smtClean="0"/>
-              <a:t>8/16/2021</a:t>
+              <a:t>8/17/2021</a:t>
             </a:fld>
             <a:endParaRPr lang="en-US"/>
           </a:p>
@@ -2079,7 +2079,7 @@
           <a:p>
             <a:fld id="{05DD8CB8-BCAE-4176-9B00-3C63B726CDBB}" type="datetimeFigureOut">
               <a:rPr lang="en-US" smtClean="0"/>
-              <a:t>8/16/2021</a:t>
+              <a:t>8/17/2021</a:t>
             </a:fld>
             <a:endParaRPr lang="en-US"/>
           </a:p>
@@ -2390,7 +2390,7 @@
           <a:p>
             <a:fld id="{05DD8CB8-BCAE-4176-9B00-3C63B726CDBB}" type="datetimeFigureOut">
               <a:rPr lang="en-US" smtClean="0"/>
-              <a:t>8/16/2021</a:t>
+              <a:t>8/17/2021</a:t>
             </a:fld>
             <a:endParaRPr lang="en-US"/>
           </a:p>
@@ -2678,7 +2678,7 @@
           <a:p>
             <a:fld id="{05DD8CB8-BCAE-4176-9B00-3C63B726CDBB}" type="datetimeFigureOut">
               <a:rPr lang="en-US" smtClean="0"/>
-              <a:t>8/16/2021</a:t>
+              <a:t>8/17/2021</a:t>
             </a:fld>
             <a:endParaRPr lang="en-US"/>
           </a:p>
@@ -2919,7 +2919,7 @@
           <a:p>
             <a:fld id="{05DD8CB8-BCAE-4176-9B00-3C63B726CDBB}" type="datetimeFigureOut">
               <a:rPr lang="en-US" smtClean="0"/>
-              <a:t>8/16/2021</a:t>
+              <a:t>8/17/2021</a:t>
             </a:fld>
             <a:endParaRPr lang="en-US"/>
           </a:p>
@@ -3404,7 +3404,7 @@
         </p:nvSpPr>
         <p:spPr>
           <a:xfrm>
-            <a:off x="1667369" y="135119"/>
+            <a:off x="454563" y="105466"/>
             <a:ext cx="1738300" cy="461665"/>
           </a:xfrm>
           <a:prstGeom prst="rect">
@@ -3419,12 +3419,12 @@
           <a:lstStyle/>
           <a:p>
             <a:r>
-              <a:rPr lang="en-US" sz="2400" dirty="0" err="1">
+              <a:rPr lang="en-US" sz="2400" dirty="0">
                 <a:solidFill>
                   <a:schemeClr val="bg1"/>
                 </a:solidFill>
               </a:rPr>
-              <a:t>Khmershop</a:t>
+              <a:t>T-shop</a:t>
             </a:r>
             <a:endParaRPr lang="en-US" sz="2000" dirty="0">
               <a:solidFill>
@@ -4092,45 +4092,6 @@
           </a:extLst>
         </p:spPr>
       </p:pic>
-      <p:sp>
-        <p:nvSpPr>
-          <p:cNvPr id="26" name="TextBox 25">
-            <a:extLst>
-              <a:ext uri="{FF2B5EF4-FFF2-40B4-BE49-F238E27FC236}">
-                <a16:creationId xmlns:a16="http://schemas.microsoft.com/office/drawing/2014/main" id="{0BFE1ADD-AEEC-415D-A62E-D814D11A59F5}"/>
-              </a:ext>
-            </a:extLst>
-          </p:cNvPr>
-          <p:cNvSpPr txBox="1"/>
-          <p:nvPr/>
-        </p:nvSpPr>
-        <p:spPr>
-          <a:xfrm>
-            <a:off x="471936" y="219196"/>
-            <a:ext cx="840020" cy="369332"/>
-          </a:xfrm>
-          <a:prstGeom prst="rect">
-            <a:avLst/>
-          </a:prstGeom>
-          <a:noFill/>
-        </p:spPr>
-        <p:txBody>
-          <a:bodyPr wrap="square" rtlCol="0">
-            <a:spAutoFit/>
-          </a:bodyPr>
-          <a:lstStyle/>
-          <a:p>
-            <a:r>
-              <a:rPr lang="en-US" dirty="0">
-                <a:solidFill>
-                  <a:schemeClr val="bg1"/>
-                </a:solidFill>
-              </a:rPr>
-              <a:t>LOGO</a:t>
-            </a:r>
-          </a:p>
-        </p:txBody>
-      </p:sp>
     </p:spTree>
     <p:extLst>
       <p:ext uri="{BB962C8B-B14F-4D97-AF65-F5344CB8AC3E}">
